--- a/presentation/stable_marriage_presentation.pptx
+++ b/presentation/stable_marriage_presentation.pptx
@@ -2862,358 +2862,6 @@
       <dsp:cNvGrpSpPr/>
     </dsp:nvGrpSpPr>
     <dsp:grpSpPr/>
-    <dsp:sp modelId="{9104E443-64AF-4ADD-86B9-4BD8326C793B}">
-      <dsp:nvSpPr>
-        <dsp:cNvPr id="0" name=""/>
-        <dsp:cNvSpPr/>
-      </dsp:nvSpPr>
-      <dsp:spPr>
-        <a:xfrm>
-          <a:off x="0" y="0"/>
-          <a:ext cx="2919784" cy="691200"/>
-        </a:xfrm>
-        <a:prstGeom prst="rect">
-          <a:avLst/>
-        </a:prstGeom>
-        <a:solidFill>
-          <a:schemeClr val="accent1">
-            <a:hueOff val="0"/>
-            <a:satOff val="0"/>
-            <a:lumOff val="0"/>
-            <a:alphaOff val="0"/>
-          </a:schemeClr>
-        </a:solidFill>
-        <a:ln w="25400" cap="flat" cmpd="sng" algn="ctr">
-          <a:solidFill>
-            <a:schemeClr val="accent1">
-              <a:hueOff val="0"/>
-              <a:satOff val="0"/>
-              <a:lumOff val="0"/>
-              <a:alphaOff val="0"/>
-            </a:schemeClr>
-          </a:solidFill>
-          <a:prstDash val="solid"/>
-        </a:ln>
-        <a:effectLst/>
-      </dsp:spPr>
-      <dsp:style>
-        <a:lnRef idx="2">
-          <a:scrgbClr r="0" g="0" b="0"/>
-        </a:lnRef>
-        <a:fillRef idx="1">
-          <a:scrgbClr r="0" g="0" b="0"/>
-        </a:fillRef>
-        <a:effectRef idx="0">
-          <a:scrgbClr r="0" g="0" b="0"/>
-        </a:effectRef>
-        <a:fontRef idx="minor">
-          <a:schemeClr val="lt1"/>
-        </a:fontRef>
-      </dsp:style>
-      <dsp:txBody>
-        <a:bodyPr spcFirstLastPara="0" vert="horz" wrap="square" lIns="170688" tIns="97536" rIns="170688" bIns="97536" numCol="1" spcCol="1270" anchor="ctr" anchorCtr="0">
-          <a:noAutofit/>
-        </a:bodyPr>
-        <a:lstStyle/>
-        <a:p>
-          <a:pPr lvl="0" algn="ctr" defTabSz="1066800">
-            <a:lnSpc>
-              <a:spcPct val="90000"/>
-            </a:lnSpc>
-            <a:spcBef>
-              <a:spcPct val="0"/>
-            </a:spcBef>
-            <a:spcAft>
-              <a:spcPct val="35000"/>
-            </a:spcAft>
-          </a:pPr>
-          <a:r>
-            <a:rPr lang="de-CH" sz="2400" kern="1200" dirty="0" smtClean="0"/>
-            <a:t>Jack</a:t>
-          </a:r>
-          <a:endParaRPr lang="de-CH" sz="2400" kern="1200" dirty="0"/>
-        </a:p>
-      </dsp:txBody>
-      <dsp:txXfrm>
-        <a:off x="0" y="0"/>
-        <a:ext cx="2919784" cy="691200"/>
-      </dsp:txXfrm>
-    </dsp:sp>
-    <dsp:sp modelId="{D7666DF6-C7E0-4A5D-BF2D-776C8A8F9969}">
-      <dsp:nvSpPr>
-        <dsp:cNvPr id="0" name=""/>
-        <dsp:cNvSpPr/>
-      </dsp:nvSpPr>
-      <dsp:spPr>
-        <a:xfrm>
-          <a:off x="30" y="702797"/>
-          <a:ext cx="2919784" cy="1054080"/>
-        </a:xfrm>
-        <a:prstGeom prst="rect">
-          <a:avLst/>
-        </a:prstGeom>
-        <a:solidFill>
-          <a:schemeClr val="accent1">
-            <a:alpha val="90000"/>
-            <a:tint val="40000"/>
-            <a:hueOff val="0"/>
-            <a:satOff val="0"/>
-            <a:lumOff val="0"/>
-            <a:alphaOff val="0"/>
-          </a:schemeClr>
-        </a:solidFill>
-        <a:ln w="25400" cap="flat" cmpd="sng" algn="ctr">
-          <a:solidFill>
-            <a:schemeClr val="accent1">
-              <a:alpha val="90000"/>
-              <a:tint val="40000"/>
-              <a:hueOff val="0"/>
-              <a:satOff val="0"/>
-              <a:lumOff val="0"/>
-              <a:alphaOff val="0"/>
-            </a:schemeClr>
-          </a:solidFill>
-          <a:prstDash val="solid"/>
-        </a:ln>
-        <a:effectLst/>
-      </dsp:spPr>
-      <dsp:style>
-        <a:lnRef idx="2">
-          <a:scrgbClr r="0" g="0" b="0"/>
-        </a:lnRef>
-        <a:fillRef idx="1">
-          <a:scrgbClr r="0" g="0" b="0"/>
-        </a:fillRef>
-        <a:effectRef idx="0">
-          <a:scrgbClr r="0" g="0" b="0"/>
-        </a:effectRef>
-        <a:fontRef idx="minor"/>
-      </dsp:style>
-      <dsp:txBody>
-        <a:bodyPr spcFirstLastPara="0" vert="horz" wrap="square" lIns="128016" tIns="128016" rIns="170688" bIns="192024" numCol="1" spcCol="1270" anchor="t" anchorCtr="0">
-          <a:noAutofit/>
-        </a:bodyPr>
-        <a:lstStyle/>
-        <a:p>
-          <a:pPr marL="228600" lvl="1" indent="-228600" algn="l" defTabSz="1066800">
-            <a:lnSpc>
-              <a:spcPct val="90000"/>
-            </a:lnSpc>
-            <a:spcBef>
-              <a:spcPct val="0"/>
-            </a:spcBef>
-            <a:spcAft>
-              <a:spcPct val="15000"/>
-            </a:spcAft>
-            <a:buChar char="••"/>
-          </a:pPr>
-          <a:r>
-            <a:rPr lang="de-CH" sz="2400" kern="1200" dirty="0" smtClean="0"/>
-            <a:t>Amanda</a:t>
-          </a:r>
-          <a:endParaRPr lang="de-CH" sz="2400" kern="1200" dirty="0"/>
-        </a:p>
-        <a:p>
-          <a:pPr marL="228600" lvl="1" indent="-228600" algn="l" defTabSz="1066800">
-            <a:lnSpc>
-              <a:spcPct val="90000"/>
-            </a:lnSpc>
-            <a:spcBef>
-              <a:spcPct val="0"/>
-            </a:spcBef>
-            <a:spcAft>
-              <a:spcPct val="15000"/>
-            </a:spcAft>
-            <a:buChar char="••"/>
-          </a:pPr>
-          <a:r>
-            <a:rPr lang="de-CH" sz="2400" kern="1200" dirty="0" smtClean="0"/>
-            <a:t>Rosie</a:t>
-          </a:r>
-          <a:endParaRPr lang="de-CH" sz="2400" kern="1200" dirty="0"/>
-        </a:p>
-      </dsp:txBody>
-      <dsp:txXfrm>
-        <a:off x="30" y="702797"/>
-        <a:ext cx="2919784" cy="1054080"/>
-      </dsp:txXfrm>
-    </dsp:sp>
-    <dsp:sp modelId="{AC319963-1DDC-45C5-B00A-DF376C45E6E4}">
-      <dsp:nvSpPr>
-        <dsp:cNvPr id="0" name=""/>
-        <dsp:cNvSpPr/>
-      </dsp:nvSpPr>
-      <dsp:spPr>
-        <a:xfrm>
-          <a:off x="3328584" y="11596"/>
-          <a:ext cx="2919784" cy="691200"/>
-        </a:xfrm>
-        <a:prstGeom prst="rect">
-          <a:avLst/>
-        </a:prstGeom>
-        <a:solidFill>
-          <a:schemeClr val="accent1">
-            <a:hueOff val="0"/>
-            <a:satOff val="0"/>
-            <a:lumOff val="0"/>
-            <a:alphaOff val="0"/>
-          </a:schemeClr>
-        </a:solidFill>
-        <a:ln w="25400" cap="flat" cmpd="sng" algn="ctr">
-          <a:solidFill>
-            <a:schemeClr val="accent1">
-              <a:hueOff val="0"/>
-              <a:satOff val="0"/>
-              <a:lumOff val="0"/>
-              <a:alphaOff val="0"/>
-            </a:schemeClr>
-          </a:solidFill>
-          <a:prstDash val="solid"/>
-        </a:ln>
-        <a:effectLst/>
-      </dsp:spPr>
-      <dsp:style>
-        <a:lnRef idx="2">
-          <a:scrgbClr r="0" g="0" b="0"/>
-        </a:lnRef>
-        <a:fillRef idx="1">
-          <a:scrgbClr r="0" g="0" b="0"/>
-        </a:fillRef>
-        <a:effectRef idx="0">
-          <a:scrgbClr r="0" g="0" b="0"/>
-        </a:effectRef>
-        <a:fontRef idx="minor">
-          <a:schemeClr val="lt1"/>
-        </a:fontRef>
-      </dsp:style>
-      <dsp:txBody>
-        <a:bodyPr spcFirstLastPara="0" vert="horz" wrap="square" lIns="170688" tIns="97536" rIns="170688" bIns="97536" numCol="1" spcCol="1270" anchor="ctr" anchorCtr="0">
-          <a:noAutofit/>
-        </a:bodyPr>
-        <a:lstStyle/>
-        <a:p>
-          <a:pPr lvl="0" algn="ctr" defTabSz="1066800">
-            <a:lnSpc>
-              <a:spcPct val="90000"/>
-            </a:lnSpc>
-            <a:spcBef>
-              <a:spcPct val="0"/>
-            </a:spcBef>
-            <a:spcAft>
-              <a:spcPct val="35000"/>
-            </a:spcAft>
-          </a:pPr>
-          <a:r>
-            <a:rPr lang="de-CH" sz="2400" kern="1200" dirty="0" smtClean="0"/>
-            <a:t>Amanda</a:t>
-          </a:r>
-          <a:endParaRPr lang="de-CH" sz="2400" kern="1200" dirty="0"/>
-        </a:p>
-      </dsp:txBody>
-      <dsp:txXfrm>
-        <a:off x="3328584" y="11596"/>
-        <a:ext cx="2919784" cy="691200"/>
-      </dsp:txXfrm>
-    </dsp:sp>
-    <dsp:sp modelId="{4C391126-E9D8-4100-9003-16AB1BBFDB29}">
-      <dsp:nvSpPr>
-        <dsp:cNvPr id="0" name=""/>
-        <dsp:cNvSpPr/>
-      </dsp:nvSpPr>
-      <dsp:spPr>
-        <a:xfrm>
-          <a:off x="3328584" y="702797"/>
-          <a:ext cx="2919784" cy="1054080"/>
-        </a:xfrm>
-        <a:prstGeom prst="rect">
-          <a:avLst/>
-        </a:prstGeom>
-        <a:solidFill>
-          <a:schemeClr val="accent1">
-            <a:alpha val="90000"/>
-            <a:tint val="40000"/>
-            <a:hueOff val="0"/>
-            <a:satOff val="0"/>
-            <a:lumOff val="0"/>
-            <a:alphaOff val="0"/>
-          </a:schemeClr>
-        </a:solidFill>
-        <a:ln w="25400" cap="flat" cmpd="sng" algn="ctr">
-          <a:solidFill>
-            <a:schemeClr val="accent1">
-              <a:alpha val="90000"/>
-              <a:tint val="40000"/>
-              <a:hueOff val="0"/>
-              <a:satOff val="0"/>
-              <a:lumOff val="0"/>
-              <a:alphaOff val="0"/>
-            </a:schemeClr>
-          </a:solidFill>
-          <a:prstDash val="solid"/>
-        </a:ln>
-        <a:effectLst/>
-      </dsp:spPr>
-      <dsp:style>
-        <a:lnRef idx="2">
-          <a:scrgbClr r="0" g="0" b="0"/>
-        </a:lnRef>
-        <a:fillRef idx="1">
-          <a:scrgbClr r="0" g="0" b="0"/>
-        </a:fillRef>
-        <a:effectRef idx="0">
-          <a:scrgbClr r="0" g="0" b="0"/>
-        </a:effectRef>
-        <a:fontRef idx="minor"/>
-      </dsp:style>
-      <dsp:txBody>
-        <a:bodyPr spcFirstLastPara="0" vert="horz" wrap="square" lIns="128016" tIns="128016" rIns="170688" bIns="192024" numCol="1" spcCol="1270" anchor="t" anchorCtr="0">
-          <a:noAutofit/>
-        </a:bodyPr>
-        <a:lstStyle/>
-        <a:p>
-          <a:pPr marL="228600" lvl="1" indent="-228600" algn="l" defTabSz="1066800">
-            <a:lnSpc>
-              <a:spcPct val="90000"/>
-            </a:lnSpc>
-            <a:spcBef>
-              <a:spcPct val="0"/>
-            </a:spcBef>
-            <a:spcAft>
-              <a:spcPct val="15000"/>
-            </a:spcAft>
-            <a:buChar char="••"/>
-          </a:pPr>
-          <a:r>
-            <a:rPr lang="de-CH" sz="2400" kern="1200" dirty="0" smtClean="0"/>
-            <a:t>Jack</a:t>
-          </a:r>
-          <a:endParaRPr lang="de-CH" sz="2400" kern="1200" dirty="0"/>
-        </a:p>
-        <a:p>
-          <a:pPr marL="228600" lvl="1" indent="-228600" algn="l" defTabSz="1066800">
-            <a:lnSpc>
-              <a:spcPct val="90000"/>
-            </a:lnSpc>
-            <a:spcBef>
-              <a:spcPct val="0"/>
-            </a:spcBef>
-            <a:spcAft>
-              <a:spcPct val="15000"/>
-            </a:spcAft>
-            <a:buChar char="••"/>
-          </a:pPr>
-          <a:r>
-            <a:rPr lang="de-CH" sz="2400" kern="1200" dirty="0" smtClean="0"/>
-            <a:t>John</a:t>
-          </a:r>
-          <a:endParaRPr lang="de-CH" sz="2400" kern="1200" dirty="0"/>
-        </a:p>
-      </dsp:txBody>
-      <dsp:txXfrm>
-        <a:off x="3328584" y="702797"/>
-        <a:ext cx="2919784" cy="1054080"/>
-      </dsp:txXfrm>
-    </dsp:sp>
   </dsp:spTree>
 </dsp:drawing>
 </file>
@@ -3226,710 +2874,6 @@
       <dsp:cNvGrpSpPr/>
     </dsp:nvGrpSpPr>
     <dsp:grpSpPr/>
-    <dsp:sp modelId="{9104E443-64AF-4ADD-86B9-4BD8326C793B}">
-      <dsp:nvSpPr>
-        <dsp:cNvPr id="0" name=""/>
-        <dsp:cNvSpPr/>
-      </dsp:nvSpPr>
-      <dsp:spPr>
-        <a:xfrm>
-          <a:off x="4" y="177807"/>
-          <a:ext cx="1412602" cy="547200"/>
-        </a:xfrm>
-        <a:prstGeom prst="rect">
-          <a:avLst/>
-        </a:prstGeom>
-        <a:solidFill>
-          <a:schemeClr val="accent1">
-            <a:hueOff val="0"/>
-            <a:satOff val="0"/>
-            <a:lumOff val="0"/>
-            <a:alphaOff val="0"/>
-          </a:schemeClr>
-        </a:solidFill>
-        <a:ln w="25400" cap="flat" cmpd="sng" algn="ctr">
-          <a:solidFill>
-            <a:schemeClr val="accent1">
-              <a:hueOff val="0"/>
-              <a:satOff val="0"/>
-              <a:lumOff val="0"/>
-              <a:alphaOff val="0"/>
-            </a:schemeClr>
-          </a:solidFill>
-          <a:prstDash val="solid"/>
-        </a:ln>
-        <a:effectLst/>
-      </dsp:spPr>
-      <dsp:style>
-        <a:lnRef idx="2">
-          <a:scrgbClr r="0" g="0" b="0"/>
-        </a:lnRef>
-        <a:fillRef idx="1">
-          <a:scrgbClr r="0" g="0" b="0"/>
-        </a:fillRef>
-        <a:effectRef idx="0">
-          <a:scrgbClr r="0" g="0" b="0"/>
-        </a:effectRef>
-        <a:fontRef idx="minor">
-          <a:schemeClr val="lt1"/>
-        </a:fontRef>
-      </dsp:style>
-      <dsp:txBody>
-        <a:bodyPr spcFirstLastPara="0" vert="horz" wrap="square" lIns="135128" tIns="77216" rIns="135128" bIns="77216" numCol="1" spcCol="1270" anchor="ctr" anchorCtr="0">
-          <a:noAutofit/>
-        </a:bodyPr>
-        <a:lstStyle/>
-        <a:p>
-          <a:pPr lvl="0" algn="ctr" defTabSz="844550">
-            <a:lnSpc>
-              <a:spcPct val="90000"/>
-            </a:lnSpc>
-            <a:spcBef>
-              <a:spcPct val="0"/>
-            </a:spcBef>
-            <a:spcAft>
-              <a:spcPct val="35000"/>
-            </a:spcAft>
-          </a:pPr>
-          <a:r>
-            <a:rPr lang="de-CH" sz="1900" kern="1200" dirty="0" smtClean="0"/>
-            <a:t>Jack</a:t>
-          </a:r>
-          <a:endParaRPr lang="de-CH" sz="1900" kern="1200" dirty="0"/>
-        </a:p>
-      </dsp:txBody>
-      <dsp:txXfrm>
-        <a:off x="4" y="177807"/>
-        <a:ext cx="1412602" cy="547200"/>
-      </dsp:txXfrm>
-    </dsp:sp>
-    <dsp:sp modelId="{D7666DF6-C7E0-4A5D-BF2D-776C8A8F9969}">
-      <dsp:nvSpPr>
-        <dsp:cNvPr id="0" name=""/>
-        <dsp:cNvSpPr/>
-      </dsp:nvSpPr>
-      <dsp:spPr>
-        <a:xfrm>
-          <a:off x="2349" y="740596"/>
-          <a:ext cx="1412602" cy="834480"/>
-        </a:xfrm>
-        <a:prstGeom prst="rect">
-          <a:avLst/>
-        </a:prstGeom>
-        <a:solidFill>
-          <a:schemeClr val="accent1">
-            <a:alpha val="90000"/>
-            <a:tint val="40000"/>
-            <a:hueOff val="0"/>
-            <a:satOff val="0"/>
-            <a:lumOff val="0"/>
-            <a:alphaOff val="0"/>
-          </a:schemeClr>
-        </a:solidFill>
-        <a:ln w="25400" cap="flat" cmpd="sng" algn="ctr">
-          <a:solidFill>
-            <a:schemeClr val="accent1">
-              <a:alpha val="90000"/>
-              <a:tint val="40000"/>
-              <a:hueOff val="0"/>
-              <a:satOff val="0"/>
-              <a:lumOff val="0"/>
-              <a:alphaOff val="0"/>
-            </a:schemeClr>
-          </a:solidFill>
-          <a:prstDash val="solid"/>
-        </a:ln>
-        <a:effectLst/>
-      </dsp:spPr>
-      <dsp:style>
-        <a:lnRef idx="2">
-          <a:scrgbClr r="0" g="0" b="0"/>
-        </a:lnRef>
-        <a:fillRef idx="1">
-          <a:scrgbClr r="0" g="0" b="0"/>
-        </a:fillRef>
-        <a:effectRef idx="0">
-          <a:scrgbClr r="0" g="0" b="0"/>
-        </a:effectRef>
-        <a:fontRef idx="minor"/>
-      </dsp:style>
-      <dsp:txBody>
-        <a:bodyPr spcFirstLastPara="0" vert="horz" wrap="square" lIns="101346" tIns="101346" rIns="135128" bIns="152019" numCol="1" spcCol="1270" anchor="t" anchorCtr="0">
-          <a:noAutofit/>
-        </a:bodyPr>
-        <a:lstStyle/>
-        <a:p>
-          <a:pPr marL="171450" lvl="1" indent="-171450" algn="l" defTabSz="844550">
-            <a:lnSpc>
-              <a:spcPct val="90000"/>
-            </a:lnSpc>
-            <a:spcBef>
-              <a:spcPct val="0"/>
-            </a:spcBef>
-            <a:spcAft>
-              <a:spcPct val="15000"/>
-            </a:spcAft>
-            <a:buChar char="••"/>
-          </a:pPr>
-          <a:r>
-            <a:rPr lang="de-CH" sz="1900" kern="1200" dirty="0" smtClean="0"/>
-            <a:t>Amanda</a:t>
-          </a:r>
-          <a:endParaRPr lang="de-CH" sz="1900" kern="1200" dirty="0"/>
-        </a:p>
-        <a:p>
-          <a:pPr marL="171450" lvl="1" indent="-171450" algn="l" defTabSz="844550">
-            <a:lnSpc>
-              <a:spcPct val="90000"/>
-            </a:lnSpc>
-            <a:spcBef>
-              <a:spcPct val="0"/>
-            </a:spcBef>
-            <a:spcAft>
-              <a:spcPct val="15000"/>
-            </a:spcAft>
-            <a:buChar char="••"/>
-          </a:pPr>
-          <a:r>
-            <a:rPr lang="de-CH" sz="1900" kern="1200" dirty="0" smtClean="0"/>
-            <a:t>Rosie</a:t>
-          </a:r>
-          <a:endParaRPr lang="de-CH" sz="1900" kern="1200" dirty="0"/>
-        </a:p>
-      </dsp:txBody>
-      <dsp:txXfrm>
-        <a:off x="2349" y="740596"/>
-        <a:ext cx="1412602" cy="834480"/>
-      </dsp:txXfrm>
-    </dsp:sp>
-    <dsp:sp modelId="{270DD4B2-A129-49CE-8B00-B05E01863FA3}">
-      <dsp:nvSpPr>
-        <dsp:cNvPr id="0" name=""/>
-        <dsp:cNvSpPr/>
-      </dsp:nvSpPr>
-      <dsp:spPr>
-        <a:xfrm>
-          <a:off x="1612715" y="193396"/>
-          <a:ext cx="1412602" cy="547200"/>
-        </a:xfrm>
-        <a:prstGeom prst="rect">
-          <a:avLst/>
-        </a:prstGeom>
-        <a:solidFill>
-          <a:schemeClr val="accent1">
-            <a:hueOff val="0"/>
-            <a:satOff val="0"/>
-            <a:lumOff val="0"/>
-            <a:alphaOff val="0"/>
-          </a:schemeClr>
-        </a:solidFill>
-        <a:ln w="25400" cap="flat" cmpd="sng" algn="ctr">
-          <a:solidFill>
-            <a:schemeClr val="accent1">
-              <a:hueOff val="0"/>
-              <a:satOff val="0"/>
-              <a:lumOff val="0"/>
-              <a:alphaOff val="0"/>
-            </a:schemeClr>
-          </a:solidFill>
-          <a:prstDash val="solid"/>
-        </a:ln>
-        <a:effectLst/>
-      </dsp:spPr>
-      <dsp:style>
-        <a:lnRef idx="2">
-          <a:scrgbClr r="0" g="0" b="0"/>
-        </a:lnRef>
-        <a:fillRef idx="1">
-          <a:scrgbClr r="0" g="0" b="0"/>
-        </a:fillRef>
-        <a:effectRef idx="0">
-          <a:scrgbClr r="0" g="0" b="0"/>
-        </a:effectRef>
-        <a:fontRef idx="minor">
-          <a:schemeClr val="lt1"/>
-        </a:fontRef>
-      </dsp:style>
-      <dsp:txBody>
-        <a:bodyPr spcFirstLastPara="0" vert="horz" wrap="square" lIns="135128" tIns="77216" rIns="135128" bIns="77216" numCol="1" spcCol="1270" anchor="ctr" anchorCtr="0">
-          <a:noAutofit/>
-        </a:bodyPr>
-        <a:lstStyle/>
-        <a:p>
-          <a:pPr lvl="0" algn="ctr" defTabSz="844550">
-            <a:lnSpc>
-              <a:spcPct val="90000"/>
-            </a:lnSpc>
-            <a:spcBef>
-              <a:spcPct val="0"/>
-            </a:spcBef>
-            <a:spcAft>
-              <a:spcPct val="35000"/>
-            </a:spcAft>
-          </a:pPr>
-          <a:r>
-            <a:rPr lang="de-CH" sz="1900" kern="1200" dirty="0" smtClean="0"/>
-            <a:t>John</a:t>
-          </a:r>
-          <a:endParaRPr lang="de-CH" sz="1900" kern="1200" dirty="0"/>
-        </a:p>
-      </dsp:txBody>
-      <dsp:txXfrm>
-        <a:off x="1612715" y="193396"/>
-        <a:ext cx="1412602" cy="547200"/>
-      </dsp:txXfrm>
-    </dsp:sp>
-    <dsp:sp modelId="{97435FA6-4727-4132-BBE0-4DE02D2C8EAF}">
-      <dsp:nvSpPr>
-        <dsp:cNvPr id="0" name=""/>
-        <dsp:cNvSpPr/>
-      </dsp:nvSpPr>
-      <dsp:spPr>
-        <a:xfrm>
-          <a:off x="1612715" y="740596"/>
-          <a:ext cx="1412602" cy="834480"/>
-        </a:xfrm>
-        <a:prstGeom prst="rect">
-          <a:avLst/>
-        </a:prstGeom>
-        <a:solidFill>
-          <a:schemeClr val="accent1">
-            <a:alpha val="90000"/>
-            <a:tint val="40000"/>
-            <a:hueOff val="0"/>
-            <a:satOff val="0"/>
-            <a:lumOff val="0"/>
-            <a:alphaOff val="0"/>
-          </a:schemeClr>
-        </a:solidFill>
-        <a:ln w="25400" cap="flat" cmpd="sng" algn="ctr">
-          <a:solidFill>
-            <a:schemeClr val="accent1">
-              <a:alpha val="90000"/>
-              <a:tint val="40000"/>
-              <a:hueOff val="0"/>
-              <a:satOff val="0"/>
-              <a:lumOff val="0"/>
-              <a:alphaOff val="0"/>
-            </a:schemeClr>
-          </a:solidFill>
-          <a:prstDash val="solid"/>
-        </a:ln>
-        <a:effectLst/>
-      </dsp:spPr>
-      <dsp:style>
-        <a:lnRef idx="2">
-          <a:scrgbClr r="0" g="0" b="0"/>
-        </a:lnRef>
-        <a:fillRef idx="1">
-          <a:scrgbClr r="0" g="0" b="0"/>
-        </a:fillRef>
-        <a:effectRef idx="0">
-          <a:scrgbClr r="0" g="0" b="0"/>
-        </a:effectRef>
-        <a:fontRef idx="minor"/>
-      </dsp:style>
-      <dsp:txBody>
-        <a:bodyPr spcFirstLastPara="0" vert="horz" wrap="square" lIns="101346" tIns="101346" rIns="135128" bIns="152019" numCol="1" spcCol="1270" anchor="t" anchorCtr="0">
-          <a:noAutofit/>
-        </a:bodyPr>
-        <a:lstStyle/>
-        <a:p>
-          <a:pPr marL="171450" lvl="1" indent="-171450" algn="l" defTabSz="844550">
-            <a:lnSpc>
-              <a:spcPct val="90000"/>
-            </a:lnSpc>
-            <a:spcBef>
-              <a:spcPct val="0"/>
-            </a:spcBef>
-            <a:spcAft>
-              <a:spcPct val="15000"/>
-            </a:spcAft>
-            <a:buChar char="••"/>
-          </a:pPr>
-          <a:r>
-            <a:rPr lang="de-CH" sz="1900" kern="1200" dirty="0" smtClean="0"/>
-            <a:t>Amanda</a:t>
-          </a:r>
-          <a:endParaRPr lang="de-CH" sz="1900" kern="1200" dirty="0"/>
-        </a:p>
-        <a:p>
-          <a:pPr marL="171450" lvl="1" indent="-171450" algn="l" defTabSz="844550">
-            <a:lnSpc>
-              <a:spcPct val="90000"/>
-            </a:lnSpc>
-            <a:spcBef>
-              <a:spcPct val="0"/>
-            </a:spcBef>
-            <a:spcAft>
-              <a:spcPct val="15000"/>
-            </a:spcAft>
-            <a:buChar char="••"/>
-          </a:pPr>
-          <a:r>
-            <a:rPr lang="de-CH" sz="1900" kern="1200" dirty="0" smtClean="0"/>
-            <a:t>Rosie</a:t>
-          </a:r>
-          <a:endParaRPr lang="de-CH" sz="1900" kern="1200" dirty="0"/>
-        </a:p>
-      </dsp:txBody>
-      <dsp:txXfrm>
-        <a:off x="1612715" y="740596"/>
-        <a:ext cx="1412602" cy="834480"/>
-      </dsp:txXfrm>
-    </dsp:sp>
-    <dsp:sp modelId="{AC319963-1DDC-45C5-B00A-DF376C45E6E4}">
-      <dsp:nvSpPr>
-        <dsp:cNvPr id="0" name=""/>
-        <dsp:cNvSpPr/>
-      </dsp:nvSpPr>
-      <dsp:spPr>
-        <a:xfrm>
-          <a:off x="3223082" y="193396"/>
-          <a:ext cx="1412602" cy="547200"/>
-        </a:xfrm>
-        <a:prstGeom prst="rect">
-          <a:avLst/>
-        </a:prstGeom>
-        <a:solidFill>
-          <a:schemeClr val="accent1">
-            <a:hueOff val="0"/>
-            <a:satOff val="0"/>
-            <a:lumOff val="0"/>
-            <a:alphaOff val="0"/>
-          </a:schemeClr>
-        </a:solidFill>
-        <a:ln w="25400" cap="flat" cmpd="sng" algn="ctr">
-          <a:solidFill>
-            <a:schemeClr val="accent1">
-              <a:hueOff val="0"/>
-              <a:satOff val="0"/>
-              <a:lumOff val="0"/>
-              <a:alphaOff val="0"/>
-            </a:schemeClr>
-          </a:solidFill>
-          <a:prstDash val="solid"/>
-        </a:ln>
-        <a:effectLst/>
-      </dsp:spPr>
-      <dsp:style>
-        <a:lnRef idx="2">
-          <a:scrgbClr r="0" g="0" b="0"/>
-        </a:lnRef>
-        <a:fillRef idx="1">
-          <a:scrgbClr r="0" g="0" b="0"/>
-        </a:fillRef>
-        <a:effectRef idx="0">
-          <a:scrgbClr r="0" g="0" b="0"/>
-        </a:effectRef>
-        <a:fontRef idx="minor">
-          <a:schemeClr val="lt1"/>
-        </a:fontRef>
-      </dsp:style>
-      <dsp:txBody>
-        <a:bodyPr spcFirstLastPara="0" vert="horz" wrap="square" lIns="135128" tIns="77216" rIns="135128" bIns="77216" numCol="1" spcCol="1270" anchor="ctr" anchorCtr="0">
-          <a:noAutofit/>
-        </a:bodyPr>
-        <a:lstStyle/>
-        <a:p>
-          <a:pPr lvl="0" algn="ctr" defTabSz="844550">
-            <a:lnSpc>
-              <a:spcPct val="90000"/>
-            </a:lnSpc>
-            <a:spcBef>
-              <a:spcPct val="0"/>
-            </a:spcBef>
-            <a:spcAft>
-              <a:spcPct val="35000"/>
-            </a:spcAft>
-          </a:pPr>
-          <a:r>
-            <a:rPr lang="de-CH" sz="1900" kern="1200" dirty="0" smtClean="0"/>
-            <a:t>Amanda</a:t>
-          </a:r>
-          <a:endParaRPr lang="de-CH" sz="1900" kern="1200" dirty="0"/>
-        </a:p>
-      </dsp:txBody>
-      <dsp:txXfrm>
-        <a:off x="3223082" y="193396"/>
-        <a:ext cx="1412602" cy="547200"/>
-      </dsp:txXfrm>
-    </dsp:sp>
-    <dsp:sp modelId="{4C391126-E9D8-4100-9003-16AB1BBFDB29}">
-      <dsp:nvSpPr>
-        <dsp:cNvPr id="0" name=""/>
-        <dsp:cNvSpPr/>
-      </dsp:nvSpPr>
-      <dsp:spPr>
-        <a:xfrm>
-          <a:off x="3223082" y="740596"/>
-          <a:ext cx="1412602" cy="834480"/>
-        </a:xfrm>
-        <a:prstGeom prst="rect">
-          <a:avLst/>
-        </a:prstGeom>
-        <a:solidFill>
-          <a:schemeClr val="accent1">
-            <a:alpha val="90000"/>
-            <a:tint val="40000"/>
-            <a:hueOff val="0"/>
-            <a:satOff val="0"/>
-            <a:lumOff val="0"/>
-            <a:alphaOff val="0"/>
-          </a:schemeClr>
-        </a:solidFill>
-        <a:ln w="25400" cap="flat" cmpd="sng" algn="ctr">
-          <a:solidFill>
-            <a:schemeClr val="accent1">
-              <a:alpha val="90000"/>
-              <a:tint val="40000"/>
-              <a:hueOff val="0"/>
-              <a:satOff val="0"/>
-              <a:lumOff val="0"/>
-              <a:alphaOff val="0"/>
-            </a:schemeClr>
-          </a:solidFill>
-          <a:prstDash val="solid"/>
-        </a:ln>
-        <a:effectLst/>
-      </dsp:spPr>
-      <dsp:style>
-        <a:lnRef idx="2">
-          <a:scrgbClr r="0" g="0" b="0"/>
-        </a:lnRef>
-        <a:fillRef idx="1">
-          <a:scrgbClr r="0" g="0" b="0"/>
-        </a:fillRef>
-        <a:effectRef idx="0">
-          <a:scrgbClr r="0" g="0" b="0"/>
-        </a:effectRef>
-        <a:fontRef idx="minor"/>
-      </dsp:style>
-      <dsp:txBody>
-        <a:bodyPr spcFirstLastPara="0" vert="horz" wrap="square" lIns="101346" tIns="101346" rIns="135128" bIns="152019" numCol="1" spcCol="1270" anchor="t" anchorCtr="0">
-          <a:noAutofit/>
-        </a:bodyPr>
-        <a:lstStyle/>
-        <a:p>
-          <a:pPr marL="171450" lvl="1" indent="-171450" algn="l" defTabSz="844550">
-            <a:lnSpc>
-              <a:spcPct val="90000"/>
-            </a:lnSpc>
-            <a:spcBef>
-              <a:spcPct val="0"/>
-            </a:spcBef>
-            <a:spcAft>
-              <a:spcPct val="15000"/>
-            </a:spcAft>
-            <a:buChar char="••"/>
-          </a:pPr>
-          <a:r>
-            <a:rPr lang="de-CH" sz="1900" kern="1200" dirty="0" smtClean="0"/>
-            <a:t>Jack</a:t>
-          </a:r>
-          <a:endParaRPr lang="de-CH" sz="1900" kern="1200" dirty="0"/>
-        </a:p>
-        <a:p>
-          <a:pPr marL="171450" lvl="1" indent="-171450" algn="l" defTabSz="844550">
-            <a:lnSpc>
-              <a:spcPct val="90000"/>
-            </a:lnSpc>
-            <a:spcBef>
-              <a:spcPct val="0"/>
-            </a:spcBef>
-            <a:spcAft>
-              <a:spcPct val="15000"/>
-            </a:spcAft>
-            <a:buChar char="••"/>
-          </a:pPr>
-          <a:r>
-            <a:rPr lang="de-CH" sz="1900" kern="1200" dirty="0" smtClean="0"/>
-            <a:t>John</a:t>
-          </a:r>
-          <a:endParaRPr lang="de-CH" sz="1900" kern="1200" dirty="0"/>
-        </a:p>
-      </dsp:txBody>
-      <dsp:txXfrm>
-        <a:off x="3223082" y="740596"/>
-        <a:ext cx="1412602" cy="834480"/>
-      </dsp:txXfrm>
-    </dsp:sp>
-    <dsp:sp modelId="{13825E9C-DD54-41CF-A3F1-0B8BA6191C01}">
-      <dsp:nvSpPr>
-        <dsp:cNvPr id="0" name=""/>
-        <dsp:cNvSpPr/>
-      </dsp:nvSpPr>
-      <dsp:spPr>
-        <a:xfrm>
-          <a:off x="4833448" y="193396"/>
-          <a:ext cx="1412602" cy="547200"/>
-        </a:xfrm>
-        <a:prstGeom prst="rect">
-          <a:avLst/>
-        </a:prstGeom>
-        <a:solidFill>
-          <a:schemeClr val="accent1">
-            <a:hueOff val="0"/>
-            <a:satOff val="0"/>
-            <a:lumOff val="0"/>
-            <a:alphaOff val="0"/>
-          </a:schemeClr>
-        </a:solidFill>
-        <a:ln w="25400" cap="flat" cmpd="sng" algn="ctr">
-          <a:solidFill>
-            <a:schemeClr val="accent1">
-              <a:hueOff val="0"/>
-              <a:satOff val="0"/>
-              <a:lumOff val="0"/>
-              <a:alphaOff val="0"/>
-            </a:schemeClr>
-          </a:solidFill>
-          <a:prstDash val="solid"/>
-        </a:ln>
-        <a:effectLst/>
-      </dsp:spPr>
-      <dsp:style>
-        <a:lnRef idx="2">
-          <a:scrgbClr r="0" g="0" b="0"/>
-        </a:lnRef>
-        <a:fillRef idx="1">
-          <a:scrgbClr r="0" g="0" b="0"/>
-        </a:fillRef>
-        <a:effectRef idx="0">
-          <a:scrgbClr r="0" g="0" b="0"/>
-        </a:effectRef>
-        <a:fontRef idx="minor">
-          <a:schemeClr val="lt1"/>
-        </a:fontRef>
-      </dsp:style>
-      <dsp:txBody>
-        <a:bodyPr spcFirstLastPara="0" vert="horz" wrap="square" lIns="135128" tIns="77216" rIns="135128" bIns="77216" numCol="1" spcCol="1270" anchor="ctr" anchorCtr="0">
-          <a:noAutofit/>
-        </a:bodyPr>
-        <a:lstStyle/>
-        <a:p>
-          <a:pPr lvl="0" algn="ctr" defTabSz="844550">
-            <a:lnSpc>
-              <a:spcPct val="90000"/>
-            </a:lnSpc>
-            <a:spcBef>
-              <a:spcPct val="0"/>
-            </a:spcBef>
-            <a:spcAft>
-              <a:spcPct val="35000"/>
-            </a:spcAft>
-          </a:pPr>
-          <a:r>
-            <a:rPr lang="de-CH" sz="1900" kern="1200" dirty="0" smtClean="0"/>
-            <a:t>Rosie</a:t>
-          </a:r>
-          <a:endParaRPr lang="de-CH" sz="1900" kern="1200" dirty="0"/>
-        </a:p>
-      </dsp:txBody>
-      <dsp:txXfrm>
-        <a:off x="4833448" y="193396"/>
-        <a:ext cx="1412602" cy="547200"/>
-      </dsp:txXfrm>
-    </dsp:sp>
-    <dsp:sp modelId="{03604184-63BA-477F-BA07-2A15A0207516}">
-      <dsp:nvSpPr>
-        <dsp:cNvPr id="0" name=""/>
-        <dsp:cNvSpPr/>
-      </dsp:nvSpPr>
-      <dsp:spPr>
-        <a:xfrm>
-          <a:off x="4833448" y="740596"/>
-          <a:ext cx="1412602" cy="834480"/>
-        </a:xfrm>
-        <a:prstGeom prst="rect">
-          <a:avLst/>
-        </a:prstGeom>
-        <a:solidFill>
-          <a:schemeClr val="accent1">
-            <a:alpha val="90000"/>
-            <a:tint val="40000"/>
-            <a:hueOff val="0"/>
-            <a:satOff val="0"/>
-            <a:lumOff val="0"/>
-            <a:alphaOff val="0"/>
-          </a:schemeClr>
-        </a:solidFill>
-        <a:ln w="25400" cap="flat" cmpd="sng" algn="ctr">
-          <a:solidFill>
-            <a:schemeClr val="accent1">
-              <a:alpha val="90000"/>
-              <a:tint val="40000"/>
-              <a:hueOff val="0"/>
-              <a:satOff val="0"/>
-              <a:lumOff val="0"/>
-              <a:alphaOff val="0"/>
-            </a:schemeClr>
-          </a:solidFill>
-          <a:prstDash val="solid"/>
-        </a:ln>
-        <a:effectLst/>
-      </dsp:spPr>
-      <dsp:style>
-        <a:lnRef idx="2">
-          <a:scrgbClr r="0" g="0" b="0"/>
-        </a:lnRef>
-        <a:fillRef idx="1">
-          <a:scrgbClr r="0" g="0" b="0"/>
-        </a:fillRef>
-        <a:effectRef idx="0">
-          <a:scrgbClr r="0" g="0" b="0"/>
-        </a:effectRef>
-        <a:fontRef idx="minor"/>
-      </dsp:style>
-      <dsp:txBody>
-        <a:bodyPr spcFirstLastPara="0" vert="horz" wrap="square" lIns="101346" tIns="101346" rIns="135128" bIns="152019" numCol="1" spcCol="1270" anchor="t" anchorCtr="0">
-          <a:noAutofit/>
-        </a:bodyPr>
-        <a:lstStyle/>
-        <a:p>
-          <a:pPr marL="171450" lvl="1" indent="-171450" algn="l" defTabSz="844550">
-            <a:lnSpc>
-              <a:spcPct val="90000"/>
-            </a:lnSpc>
-            <a:spcBef>
-              <a:spcPct val="0"/>
-            </a:spcBef>
-            <a:spcAft>
-              <a:spcPct val="15000"/>
-            </a:spcAft>
-            <a:buChar char="••"/>
-          </a:pPr>
-          <a:r>
-            <a:rPr lang="de-CH" sz="1900" kern="1200" dirty="0" smtClean="0"/>
-            <a:t>John</a:t>
-          </a:r>
-          <a:endParaRPr lang="de-CH" sz="1900" kern="1200" dirty="0"/>
-        </a:p>
-        <a:p>
-          <a:pPr marL="171450" lvl="1" indent="-171450" algn="l" defTabSz="844550">
-            <a:lnSpc>
-              <a:spcPct val="90000"/>
-            </a:lnSpc>
-            <a:spcBef>
-              <a:spcPct val="0"/>
-            </a:spcBef>
-            <a:spcAft>
-              <a:spcPct val="15000"/>
-            </a:spcAft>
-            <a:buChar char="••"/>
-          </a:pPr>
-          <a:r>
-            <a:rPr lang="de-CH" sz="1900" kern="1200" dirty="0" smtClean="0"/>
-            <a:t>Jack</a:t>
-          </a:r>
-          <a:endParaRPr lang="de-CH" sz="1900" kern="1200" dirty="0"/>
-        </a:p>
-      </dsp:txBody>
-      <dsp:txXfrm>
-        <a:off x="4833448" y="740596"/>
-        <a:ext cx="1412602" cy="834480"/>
-      </dsp:txXfrm>
-    </dsp:sp>
   </dsp:spTree>
 </dsp:drawing>
 </file>
@@ -20665,7 +19609,21 @@
           <a:p>
             <a:r>
               <a:rPr lang="en-GB" sz="3200" dirty="0" smtClean="0"/>
-              <a:t>Preference change rate</a:t>
+              <a:t>Preference change </a:t>
+            </a:r>
+            <a:r>
+              <a:rPr lang="en-GB" sz="3200" dirty="0" smtClean="0"/>
+              <a:t>rate</a:t>
+            </a:r>
+          </a:p>
+          <a:p>
+            <a:r>
+              <a:rPr lang="en-GB" sz="3200" dirty="0" smtClean="0"/>
+              <a:t>Changes only for men, women </a:t>
+            </a:r>
+            <a:r>
+              <a:rPr lang="en-GB" sz="3200" smtClean="0"/>
+              <a:t>or both</a:t>
             </a:r>
             <a:endParaRPr lang="en-GB" sz="3200" dirty="0"/>
           </a:p>
